--- a/PRD2017-G13-项目开发计划.pptx
+++ b/PRD2017-G13-项目开发计划.pptx
@@ -14875,11 +14875,7 @@
           <a:p>
             <a:r>
               <a:rPr lang="zh-CN" altLang="zh-CN" sz="2000" dirty="0"/>
-              <a:t>主要是与老师和潜在客户</a:t>
-            </a:r>
-            <a:r>
-              <a:rPr lang="zh-CN" altLang="zh-CN" sz="2000" dirty="0"/>
-              <a:t>的沟通。</a:t>
+              <a:t>主要是与老师和潜在客户的沟通。</a:t>
             </a:r>
             <a:endParaRPr lang="zh-CN" altLang="zh-CN" sz="2000" dirty="0"/>
           </a:p>
@@ -17132,8 +17128,8 @@
         </p:nvSpPr>
         <p:spPr>
           <a:xfrm>
-            <a:off x="1058092" y="1854926"/>
-            <a:ext cx="9993085" cy="3139321"/>
+            <a:off x="1018087" y="1860006"/>
+            <a:ext cx="9993085" cy="3138170"/>
           </a:xfrm>
           <a:prstGeom prst="rect">
             <a:avLst/>
@@ -17154,7 +17150,7 @@
           <a:p>
             <a:r>
               <a:rPr lang="zh-CN" altLang="en-US" dirty="0"/>
-              <a:t>曹依娜：负责一部分文档的编写，文档的整合修改，会议内容的记录以及</a:t>
+              <a:t>曹依娜：负责文档编写，文档的整合修改，会议内容的记录以及</a:t>
             </a:r>
             <a:r>
               <a:rPr lang="en-US" altLang="zh-CN" dirty="0" err="1"/>
@@ -17162,7 +17158,11 @@
             </a:r>
             <a:r>
               <a:rPr lang="zh-CN" altLang="en-US" dirty="0"/>
-              <a:t>的制作</a:t>
+              <a:t>的制作             </a:t>
+            </a:r>
+            <a:r>
+              <a:rPr lang="en-US" altLang="zh-CN" dirty="0"/>
+              <a:t>8.3</a:t>
             </a:r>
             <a:endParaRPr lang="en-US" altLang="zh-CN" dirty="0"/>
           </a:p>
@@ -17172,7 +17172,11 @@
           <a:p>
             <a:r>
               <a:rPr lang="zh-CN" altLang="en-US" dirty="0"/>
-              <a:t>梁晗昕：负责一部分文档的编写</a:t>
+              <a:t>梁晗昕：负责文档的质量管理，人力资源管理部分                                                           </a:t>
+            </a:r>
+            <a:r>
+              <a:rPr lang="en-US" altLang="zh-CN" dirty="0"/>
+              <a:t>8.2</a:t>
             </a:r>
             <a:endParaRPr lang="en-US" altLang="zh-CN" dirty="0"/>
           </a:p>
@@ -17198,7 +17202,11 @@
             </a:r>
             <a:r>
               <a:rPr lang="zh-CN" altLang="en-US" dirty="0"/>
-              <a:t>的完成</a:t>
+              <a:t>的完成                                                                              </a:t>
+            </a:r>
+            <a:r>
+              <a:rPr lang="en-US" altLang="zh-CN" dirty="0"/>
+              <a:t>8.5</a:t>
             </a:r>
             <a:endParaRPr lang="en-US" altLang="zh-CN" dirty="0"/>
           </a:p>
@@ -17208,7 +17216,23 @@
           <a:p>
             <a:r>
               <a:rPr lang="zh-CN" altLang="en-US" dirty="0"/>
-              <a:t>查振宇：负责文档的修改</a:t>
+              <a:t>查振宇：负责文档的修改 </a:t>
+            </a:r>
+            <a:r>
+              <a:rPr lang="en-US" altLang="zh-CN" dirty="0"/>
+              <a:t>,</a:t>
+            </a:r>
+            <a:r>
+              <a:rPr lang="zh-CN" altLang="en-US" dirty="0"/>
+              <a:t>项目章程的编写</a:t>
+            </a:r>
+            <a:r>
+              <a:rPr lang="zh-CN" altLang="en-US" dirty="0"/>
+              <a:t>                                                                           </a:t>
+            </a:r>
+            <a:r>
+              <a:rPr lang="en-US" altLang="zh-CN" dirty="0"/>
+              <a:t>8</a:t>
             </a:r>
             <a:endParaRPr lang="en-US" altLang="zh-CN" dirty="0"/>
           </a:p>
@@ -17218,9 +17242,13 @@
           <a:p>
             <a:r>
               <a:rPr lang="zh-CN" altLang="en-US" dirty="0"/>
-              <a:t>陈杭俊：负责一部分文档的编写</a:t>
-            </a:r>
-            <a:endParaRPr lang="zh-CN" altLang="en-US" dirty="0"/>
+              <a:t>陈杭俊：负责文档的风险管理，沟通管理部分                                                                    </a:t>
+            </a:r>
+            <a:r>
+              <a:rPr lang="en-US" altLang="zh-CN" dirty="0"/>
+              <a:t>9</a:t>
+            </a:r>
+            <a:endParaRPr lang="en-US" altLang="zh-CN" dirty="0"/>
           </a:p>
         </p:txBody>
       </p:sp>
